--- a/ADS-Spring2018/UCI Data set_ XBUS-507.pptx
+++ b/ADS-Spring2018/UCI Data set_ XBUS-507.pptx
@@ -7,14 +7,17 @@
   <p:sldIdLst>
     <p:sldId id="256" r:id="rId2"/>
     <p:sldId id="258" r:id="rId3"/>
-    <p:sldId id="259" r:id="rId4"/>
-    <p:sldId id="260" r:id="rId5"/>
-    <p:sldId id="261" r:id="rId6"/>
-    <p:sldId id="262" r:id="rId7"/>
-    <p:sldId id="263" r:id="rId8"/>
-    <p:sldId id="264" r:id="rId9"/>
-    <p:sldId id="265" r:id="rId10"/>
-    <p:sldId id="266" r:id="rId11"/>
+    <p:sldId id="267" r:id="rId4"/>
+    <p:sldId id="259" r:id="rId5"/>
+    <p:sldId id="260" r:id="rId6"/>
+    <p:sldId id="268" r:id="rId7"/>
+    <p:sldId id="261" r:id="rId8"/>
+    <p:sldId id="269" r:id="rId9"/>
+    <p:sldId id="262" r:id="rId10"/>
+    <p:sldId id="263" r:id="rId11"/>
+    <p:sldId id="264" r:id="rId12"/>
+    <p:sldId id="265" r:id="rId13"/>
+    <p:sldId id="266" r:id="rId14"/>
   </p:sldIdLst>
   <p:sldSz cx="12192000" cy="6858000"/>
   <p:notesSz cx="6858000" cy="9144000"/>
@@ -3673,6 +3676,344 @@
           <p:cNvPr id="2" name="Title 1">
             <a:extLst>
               <a:ext uri="{FF2B5EF4-FFF2-40B4-BE49-F238E27FC236}">
+                <a16:creationId xmlns:a16="http://schemas.microsoft.com/office/drawing/2014/main" id="{8E72AAB9-DF58-4007-8BE5-D65AD9026A20}"/>
+              </a:ext>
+            </a:extLst>
+          </p:cNvPr>
+          <p:cNvSpPr>
+            <a:spLocks noGrp="1"/>
+          </p:cNvSpPr>
+          <p:nvPr>
+            <p:ph type="title"/>
+          </p:nvPr>
+        </p:nvSpPr>
+        <p:spPr/>
+        <p:txBody>
+          <a:bodyPr/>
+          <a:lstStyle/>
+          <a:p>
+            <a:r>
+              <a:rPr lang="en-US" dirty="0"/>
+              <a:t>RUN TRAINING DATA THROUGH MODELS	</a:t>
+            </a:r>
+          </a:p>
+        </p:txBody>
+      </p:sp>
+      <p:sp>
+        <p:nvSpPr>
+          <p:cNvPr id="3" name="Content Placeholder 2">
+            <a:extLst>
+              <a:ext uri="{FF2B5EF4-FFF2-40B4-BE49-F238E27FC236}">
+                <a16:creationId xmlns:a16="http://schemas.microsoft.com/office/drawing/2014/main" id="{3F487352-C2A2-432A-9D87-70DC4DCBAF06}"/>
+              </a:ext>
+            </a:extLst>
+          </p:cNvPr>
+          <p:cNvSpPr>
+            <a:spLocks noGrp="1"/>
+          </p:cNvSpPr>
+          <p:nvPr>
+            <p:ph idx="1"/>
+          </p:nvPr>
+        </p:nvSpPr>
+        <p:spPr/>
+        <p:txBody>
+          <a:bodyPr/>
+          <a:lstStyle/>
+          <a:p>
+            <a:r>
+              <a:rPr lang="en-US" dirty="0"/>
+              <a:t>Try the training data in multiple classification models</a:t>
+            </a:r>
+          </a:p>
+          <a:p>
+            <a:pPr lvl="1"/>
+            <a:r>
+              <a:rPr lang="en-US" dirty="0"/>
+              <a:t>Use the automatic </a:t>
+            </a:r>
+            <a:r>
+              <a:rPr lang="en-US" dirty="0" err="1"/>
+              <a:t>scikitlearn</a:t>
+            </a:r>
+            <a:r>
+              <a:rPr lang="en-US" dirty="0"/>
+              <a:t> parameters</a:t>
+            </a:r>
+          </a:p>
+          <a:p>
+            <a:r>
+              <a:rPr lang="en-US" dirty="0"/>
+              <a:t>Determine which models look the most promising</a:t>
+            </a:r>
+          </a:p>
+          <a:p>
+            <a:endParaRPr lang="en-US" dirty="0"/>
+          </a:p>
+          <a:p>
+            <a:r>
+              <a:rPr lang="en-US" dirty="0"/>
+              <a:t>Deep dive on the best models</a:t>
+            </a:r>
+          </a:p>
+          <a:p>
+            <a:endParaRPr lang="en-US" dirty="0"/>
+          </a:p>
+        </p:txBody>
+      </p:sp>
+    </p:spTree>
+    <p:extLst>
+      <p:ext uri="{BB962C8B-B14F-4D97-AF65-F5344CB8AC3E}">
+        <p14:creationId xmlns:p14="http://schemas.microsoft.com/office/powerpoint/2010/main" val="3838107024"/>
+      </p:ext>
+    </p:extLst>
+  </p:cSld>
+  <p:clrMapOvr>
+    <a:masterClrMapping/>
+  </p:clrMapOvr>
+</p:sld>
+</file>
+
+<file path=ppt/slides/slide11.xml><?xml version="1.0" encoding="utf-8"?>
+<p:sld xmlns:a="http://schemas.openxmlformats.org/drawingml/2006/main" xmlns:r="http://schemas.openxmlformats.org/officeDocument/2006/relationships" xmlns:p="http://schemas.openxmlformats.org/presentationml/2006/main">
+  <p:cSld>
+    <p:spTree>
+      <p:nvGrpSpPr>
+        <p:cNvPr id="1" name=""/>
+        <p:cNvGrpSpPr/>
+        <p:nvPr/>
+      </p:nvGrpSpPr>
+      <p:grpSpPr>
+        <a:xfrm>
+          <a:off x="0" y="0"/>
+          <a:ext cx="0" cy="0"/>
+          <a:chOff x="0" y="0"/>
+          <a:chExt cx="0" cy="0"/>
+        </a:xfrm>
+      </p:grpSpPr>
+      <p:sp>
+        <p:nvSpPr>
+          <p:cNvPr id="2" name="Title 1">
+            <a:extLst>
+              <a:ext uri="{FF2B5EF4-FFF2-40B4-BE49-F238E27FC236}">
+                <a16:creationId xmlns:a16="http://schemas.microsoft.com/office/drawing/2014/main" id="{F983AA2A-8679-401B-B794-B1B5BF7A3289}"/>
+              </a:ext>
+            </a:extLst>
+          </p:cNvPr>
+          <p:cNvSpPr>
+            <a:spLocks noGrp="1"/>
+          </p:cNvSpPr>
+          <p:nvPr>
+            <p:ph type="title"/>
+          </p:nvPr>
+        </p:nvSpPr>
+        <p:spPr/>
+        <p:txBody>
+          <a:bodyPr/>
+          <a:lstStyle/>
+          <a:p>
+            <a:r>
+              <a:rPr lang="en-US" dirty="0"/>
+              <a:t>Hyper parameter tuning</a:t>
+            </a:r>
+          </a:p>
+        </p:txBody>
+      </p:sp>
+      <p:sp>
+        <p:nvSpPr>
+          <p:cNvPr id="3" name="Content Placeholder 2">
+            <a:extLst>
+              <a:ext uri="{FF2B5EF4-FFF2-40B4-BE49-F238E27FC236}">
+                <a16:creationId xmlns:a16="http://schemas.microsoft.com/office/drawing/2014/main" id="{355914AF-DFD0-44FB-A5D6-F1E2A306FD30}"/>
+              </a:ext>
+            </a:extLst>
+          </p:cNvPr>
+          <p:cNvSpPr>
+            <a:spLocks noGrp="1"/>
+          </p:cNvSpPr>
+          <p:nvPr>
+            <p:ph idx="1"/>
+          </p:nvPr>
+        </p:nvSpPr>
+        <p:spPr/>
+        <p:txBody>
+          <a:bodyPr/>
+          <a:lstStyle/>
+          <a:p>
+            <a:r>
+              <a:rPr lang="en-US" dirty="0"/>
+              <a:t>Use </a:t>
+            </a:r>
+            <a:r>
+              <a:rPr lang="en-US" dirty="0" err="1"/>
+              <a:t>yellowbrick</a:t>
+            </a:r>
+            <a:r>
+              <a:rPr lang="en-US" dirty="0"/>
+              <a:t> to test the hyperparameters for the selected models</a:t>
+            </a:r>
+          </a:p>
+          <a:p>
+            <a:endParaRPr lang="en-US" dirty="0"/>
+          </a:p>
+          <a:p>
+            <a:r>
+              <a:rPr lang="en-US" dirty="0"/>
+              <a:t>Identify the best hyperparameter values</a:t>
+            </a:r>
+          </a:p>
+          <a:p>
+            <a:endParaRPr lang="en-US" dirty="0"/>
+          </a:p>
+          <a:p>
+            <a:r>
+              <a:rPr lang="en-US" dirty="0"/>
+              <a:t>Review model results</a:t>
+            </a:r>
+          </a:p>
+          <a:p>
+            <a:endParaRPr lang="en-US" dirty="0"/>
+          </a:p>
+        </p:txBody>
+      </p:sp>
+    </p:spTree>
+    <p:extLst>
+      <p:ext uri="{BB962C8B-B14F-4D97-AF65-F5344CB8AC3E}">
+        <p14:creationId xmlns:p14="http://schemas.microsoft.com/office/powerpoint/2010/main" val="1338143744"/>
+      </p:ext>
+    </p:extLst>
+  </p:cSld>
+  <p:clrMapOvr>
+    <a:masterClrMapping/>
+  </p:clrMapOvr>
+</p:sld>
+</file>
+
+<file path=ppt/slides/slide12.xml><?xml version="1.0" encoding="utf-8"?>
+<p:sld xmlns:a="http://schemas.openxmlformats.org/drawingml/2006/main" xmlns:r="http://schemas.openxmlformats.org/officeDocument/2006/relationships" xmlns:p="http://schemas.openxmlformats.org/presentationml/2006/main">
+  <p:cSld>
+    <p:spTree>
+      <p:nvGrpSpPr>
+        <p:cNvPr id="1" name=""/>
+        <p:cNvGrpSpPr/>
+        <p:nvPr/>
+      </p:nvGrpSpPr>
+      <p:grpSpPr>
+        <a:xfrm>
+          <a:off x="0" y="0"/>
+          <a:ext cx="0" cy="0"/>
+          <a:chOff x="0" y="0"/>
+          <a:chExt cx="0" cy="0"/>
+        </a:xfrm>
+      </p:grpSpPr>
+      <p:sp>
+        <p:nvSpPr>
+          <p:cNvPr id="2" name="Title 1">
+            <a:extLst>
+              <a:ext uri="{FF2B5EF4-FFF2-40B4-BE49-F238E27FC236}">
+                <a16:creationId xmlns:a16="http://schemas.microsoft.com/office/drawing/2014/main" id="{0E7B9906-DA5C-418E-8B27-79ABD87B7FB4}"/>
+              </a:ext>
+            </a:extLst>
+          </p:cNvPr>
+          <p:cNvSpPr>
+            <a:spLocks noGrp="1"/>
+          </p:cNvSpPr>
+          <p:nvPr>
+            <p:ph type="title"/>
+          </p:nvPr>
+        </p:nvSpPr>
+        <p:spPr/>
+        <p:txBody>
+          <a:bodyPr/>
+          <a:lstStyle/>
+          <a:p>
+            <a:r>
+              <a:rPr lang="en-US" dirty="0"/>
+              <a:t>Classification report	</a:t>
+            </a:r>
+          </a:p>
+        </p:txBody>
+      </p:sp>
+      <p:sp>
+        <p:nvSpPr>
+          <p:cNvPr id="3" name="Content Placeholder 2">
+            <a:extLst>
+              <a:ext uri="{FF2B5EF4-FFF2-40B4-BE49-F238E27FC236}">
+                <a16:creationId xmlns:a16="http://schemas.microsoft.com/office/drawing/2014/main" id="{D3878029-3716-47FF-92C2-99716FE4DBF8}"/>
+              </a:ext>
+            </a:extLst>
+          </p:cNvPr>
+          <p:cNvSpPr>
+            <a:spLocks noGrp="1"/>
+          </p:cNvSpPr>
+          <p:nvPr>
+            <p:ph idx="1"/>
+          </p:nvPr>
+        </p:nvSpPr>
+        <p:spPr/>
+        <p:txBody>
+          <a:bodyPr/>
+          <a:lstStyle/>
+          <a:p>
+            <a:r>
+              <a:rPr lang="en-US" dirty="0"/>
+              <a:t>Run true test data through model</a:t>
+            </a:r>
+          </a:p>
+          <a:p>
+            <a:r>
+              <a:rPr lang="en-US" dirty="0"/>
+              <a:t>Compare predicted results to actual results</a:t>
+            </a:r>
+          </a:p>
+          <a:p>
+            <a:r>
+              <a:rPr lang="en-US" dirty="0"/>
+              <a:t>Score the model</a:t>
+            </a:r>
+          </a:p>
+          <a:p>
+            <a:endParaRPr lang="en-US" dirty="0"/>
+          </a:p>
+          <a:p>
+            <a:endParaRPr lang="en-US" dirty="0"/>
+          </a:p>
+        </p:txBody>
+      </p:sp>
+    </p:spTree>
+    <p:extLst>
+      <p:ext uri="{BB962C8B-B14F-4D97-AF65-F5344CB8AC3E}">
+        <p14:creationId xmlns:p14="http://schemas.microsoft.com/office/powerpoint/2010/main" val="447904820"/>
+      </p:ext>
+    </p:extLst>
+  </p:cSld>
+  <p:clrMapOvr>
+    <a:masterClrMapping/>
+  </p:clrMapOvr>
+</p:sld>
+</file>
+
+<file path=ppt/slides/slide13.xml><?xml version="1.0" encoding="utf-8"?>
+<p:sld xmlns:a="http://schemas.openxmlformats.org/drawingml/2006/main" xmlns:r="http://schemas.openxmlformats.org/officeDocument/2006/relationships" xmlns:p="http://schemas.openxmlformats.org/presentationml/2006/main">
+  <p:cSld>
+    <p:spTree>
+      <p:nvGrpSpPr>
+        <p:cNvPr id="1" name=""/>
+        <p:cNvGrpSpPr/>
+        <p:nvPr/>
+      </p:nvGrpSpPr>
+      <p:grpSpPr>
+        <a:xfrm>
+          <a:off x="0" y="0"/>
+          <a:ext cx="0" cy="0"/>
+          <a:chOff x="0" y="0"/>
+          <a:chExt cx="0" cy="0"/>
+        </a:xfrm>
+      </p:grpSpPr>
+      <p:sp>
+        <p:nvSpPr>
+          <p:cNvPr id="2" name="Title 1">
+            <a:extLst>
+              <a:ext uri="{FF2B5EF4-FFF2-40B4-BE49-F238E27FC236}">
                 <a16:creationId xmlns:a16="http://schemas.microsoft.com/office/drawing/2014/main" id="{AB1C8525-1847-4D23-9A7F-848A47852811}"/>
               </a:ext>
             </a:extLst>
@@ -3896,7 +4237,7 @@
           <p:cNvPr id="2" name="Title 1">
             <a:extLst>
               <a:ext uri="{FF2B5EF4-FFF2-40B4-BE49-F238E27FC236}">
-                <a16:creationId xmlns:a16="http://schemas.microsoft.com/office/drawing/2014/main" id="{EA00B2BB-EA70-487E-9DF6-219BD566E895}"/>
+                <a16:creationId xmlns:a16="http://schemas.microsoft.com/office/drawing/2014/main" id="{9C4C61B8-B7A0-4625-9F68-85C71862AC35}"/>
               </a:ext>
             </a:extLst>
           </p:cNvPr>
@@ -3914,75 +4255,468 @@
           <a:p>
             <a:r>
               <a:rPr lang="en-US" dirty="0"/>
-              <a:t>Data ingestion</a:t>
-            </a:r>
-          </a:p>
-        </p:txBody>
-      </p:sp>
-      <p:sp>
-        <p:nvSpPr>
-          <p:cNvPr id="3" name="Content Placeholder 2">
+              <a:t>Data description</a:t>
+            </a:r>
+          </a:p>
+        </p:txBody>
+      </p:sp>
+      <p:sp>
+        <p:nvSpPr>
+          <p:cNvPr id="4" name="Rectangle 1">
             <a:extLst>
               <a:ext uri="{FF2B5EF4-FFF2-40B4-BE49-F238E27FC236}">
-                <a16:creationId xmlns:a16="http://schemas.microsoft.com/office/drawing/2014/main" id="{432433FD-30D4-4F0A-A728-DA196B8D5F52}"/>
+                <a16:creationId xmlns:a16="http://schemas.microsoft.com/office/drawing/2014/main" id="{96A5CF37-6E73-4E1C-B30A-E1F75C6D9FBF}"/>
               </a:ext>
             </a:extLst>
           </p:cNvPr>
           <p:cNvSpPr>
-            <a:spLocks noGrp="1"/>
+            <a:spLocks noGrp="1" noChangeArrowheads="1"/>
           </p:cNvSpPr>
           <p:nvPr>
             <p:ph idx="1"/>
           </p:nvPr>
         </p:nvSpPr>
-        <p:spPr/>
-        <p:txBody>
-          <a:bodyPr/>
-          <a:lstStyle/>
-          <a:p>
-            <a:r>
-              <a:rPr lang="en-US" dirty="0"/>
-              <a:t>Stand-alone CSV</a:t>
-            </a:r>
-          </a:p>
-          <a:p>
-            <a:r>
-              <a:rPr lang="en-US" dirty="0"/>
-              <a:t>Import directly from CSV via Python</a:t>
-            </a:r>
-          </a:p>
-          <a:p>
-            <a:r>
-              <a:rPr lang="en-US" dirty="0"/>
-              <a:t>Convert to to </a:t>
-            </a:r>
-            <a:r>
-              <a:rPr lang="en-US" dirty="0" err="1"/>
-              <a:t>DataFrame</a:t>
-            </a:r>
-            <a:r>
-              <a:rPr lang="en-US" dirty="0"/>
-              <a:t> in Pandas</a:t>
-            </a:r>
-          </a:p>
-          <a:p>
-            <a:endParaRPr lang="en-US" dirty="0"/>
-          </a:p>
-          <a:p>
-            <a:endParaRPr lang="en-US" dirty="0"/>
-          </a:p>
-          <a:p>
-            <a:r>
-              <a:rPr lang="en-US" dirty="0"/>
-              <a:t>Describe and explore data to determine if any data is missing or bad</a:t>
-            </a:r>
+        <p:spPr bwMode="auto">
+          <a:xfrm>
+            <a:off x="1451579" y="1918796"/>
+            <a:ext cx="9941622" cy="3644486"/>
+          </a:xfrm>
+          <a:prstGeom prst="rect">
+            <a:avLst/>
+          </a:prstGeom>
+          <a:solidFill>
+            <a:srgbClr val="FFFFFF"/>
+          </a:solidFill>
+          <a:ln>
+            <a:noFill/>
+          </a:ln>
+          <a:effectLst/>
+          <a:extLst>
+            <a:ext uri="{91240B29-F687-4F45-9708-019B960494DF}">
+              <a14:hiddenLine xmlns:a14="http://schemas.microsoft.com/office/drawing/2010/main" w="9525">
+                <a:solidFill>
+                  <a:schemeClr val="tx1"/>
+                </a:solidFill>
+                <a:miter lim="800000"/>
+                <a:headEnd/>
+                <a:tailEnd/>
+              </a14:hiddenLine>
+            </a:ext>
+            <a:ext uri="{AF507438-7753-43E0-B8FC-AC1667EBCBE1}">
+              <a14:hiddenEffects xmlns:a14="http://schemas.microsoft.com/office/drawing/2010/main">
+                <a:effectLst>
+                  <a:outerShdw dist="35921" dir="2700000" algn="ctr" rotWithShape="0">
+                    <a:schemeClr val="bg2"/>
+                  </a:outerShdw>
+                </a:effectLst>
+              </a14:hiddenEffects>
+            </a:ext>
+          </a:extLst>
+        </p:spPr>
+        <p:txBody>
+          <a:bodyPr vert="horz" wrap="none" lIns="317400" tIns="158700" rIns="317400" bIns="158700" numCol="1" anchor="ctr" anchorCtr="0" compatLnSpc="1">
+            <a:prstTxWarp prst="textNoShape">
+              <a:avLst/>
+            </a:prstTxWarp>
+            <a:spAutoFit/>
+          </a:bodyPr>
+          <a:lstStyle/>
+          <a:p>
+            <a:pPr marL="0" marR="0" lvl="0" indent="0" algn="l" defTabSz="914400" rtl="0" eaLnBrk="0" fontAlgn="base" latinLnBrk="0" hangingPunct="0">
+              <a:lnSpc>
+                <a:spcPct val="100000"/>
+              </a:lnSpc>
+              <a:spcBef>
+                <a:spcPct val="0"/>
+              </a:spcBef>
+              <a:spcAft>
+                <a:spcPct val="0"/>
+              </a:spcAft>
+              <a:buClrTx/>
+              <a:buSzTx/>
+              <a:buFontTx/>
+              <a:buNone/>
+              <a:tabLst/>
+            </a:pPr>
+            <a:endParaRPr kumimoji="0" lang="en-US" altLang="en-US" sz="1800" b="0" i="0" u="none" strike="noStrike" cap="none" normalizeH="0" baseline="0" dirty="0">
+              <a:ln>
+                <a:noFill/>
+              </a:ln>
+              <a:solidFill>
+                <a:schemeClr val="tx1"/>
+              </a:solidFill>
+              <a:effectLst/>
+              <a:latin typeface="Arial" panose="020B0604020202020204" pitchFamily="34" charset="0"/>
+            </a:endParaRPr>
+          </a:p>
+          <a:p>
+            <a:pPr marL="0" marR="0" lvl="0" indent="0" algn="l" defTabSz="914400" rtl="0" eaLnBrk="0" fontAlgn="base" latinLnBrk="0" hangingPunct="0">
+              <a:lnSpc>
+                <a:spcPct val="100000"/>
+              </a:lnSpc>
+              <a:spcBef>
+                <a:spcPct val="0"/>
+              </a:spcBef>
+              <a:spcAft>
+                <a:spcPct val="0"/>
+              </a:spcAft>
+              <a:buClrTx/>
+              <a:buSzTx/>
+              <a:buFontTx/>
+              <a:buAutoNum type="arabicPeriod"/>
+              <a:tabLst/>
+            </a:pPr>
+            <a:r>
+              <a:rPr kumimoji="0" lang="en-US" altLang="en-US" sz="1800" b="0" i="0" u="none" strike="noStrike" cap="none" normalizeH="0" baseline="0" dirty="0">
+                <a:ln>
+                  <a:noFill/>
+                </a:ln>
+                <a:solidFill>
+                  <a:srgbClr val="000000"/>
+                </a:solidFill>
+                <a:effectLst/>
+                <a:latin typeface="Helvetica Neue"/>
+              </a:rPr>
+              <a:t>Wife's age (numerical)</a:t>
+            </a:r>
+          </a:p>
+          <a:p>
+            <a:pPr marL="0" marR="0" lvl="0" indent="0" algn="l" defTabSz="914400" rtl="0" eaLnBrk="0" fontAlgn="base" latinLnBrk="0" hangingPunct="0">
+              <a:lnSpc>
+                <a:spcPct val="100000"/>
+              </a:lnSpc>
+              <a:spcBef>
+                <a:spcPct val="0"/>
+              </a:spcBef>
+              <a:spcAft>
+                <a:spcPct val="0"/>
+              </a:spcAft>
+              <a:buClrTx/>
+              <a:buSzTx/>
+              <a:buFontTx/>
+              <a:buAutoNum type="arabicPeriod" startAt="2"/>
+              <a:tabLst/>
+            </a:pPr>
+            <a:r>
+              <a:rPr kumimoji="0" lang="en-US" altLang="en-US" sz="1800" b="0" i="0" u="none" strike="noStrike" cap="none" normalizeH="0" baseline="0" dirty="0">
+                <a:ln>
+                  <a:noFill/>
+                </a:ln>
+                <a:solidFill>
+                  <a:srgbClr val="000000"/>
+                </a:solidFill>
+                <a:effectLst/>
+                <a:latin typeface="Helvetica Neue"/>
+              </a:rPr>
+              <a:t>Wife's education (categorical) 1=low, 2, 3, 4=high</a:t>
+            </a:r>
+          </a:p>
+          <a:p>
+            <a:pPr marL="0" marR="0" lvl="0" indent="0" algn="l" defTabSz="914400" rtl="0" eaLnBrk="0" fontAlgn="base" latinLnBrk="0" hangingPunct="0">
+              <a:lnSpc>
+                <a:spcPct val="100000"/>
+              </a:lnSpc>
+              <a:spcBef>
+                <a:spcPct val="0"/>
+              </a:spcBef>
+              <a:spcAft>
+                <a:spcPct val="0"/>
+              </a:spcAft>
+              <a:buClrTx/>
+              <a:buSzTx/>
+              <a:buFontTx/>
+              <a:buAutoNum type="arabicPeriod" startAt="3"/>
+              <a:tabLst/>
+            </a:pPr>
+            <a:r>
+              <a:rPr kumimoji="0" lang="en-US" altLang="en-US" sz="1800" b="0" i="0" u="none" strike="noStrike" cap="none" normalizeH="0" baseline="0" dirty="0">
+                <a:ln>
+                  <a:noFill/>
+                </a:ln>
+                <a:solidFill>
+                  <a:srgbClr val="000000"/>
+                </a:solidFill>
+                <a:effectLst/>
+                <a:latin typeface="Helvetica Neue"/>
+              </a:rPr>
+              <a:t>Husband's education (categorical) 1=low, 2, 3, 4=high</a:t>
+            </a:r>
+          </a:p>
+          <a:p>
+            <a:pPr marL="0" marR="0" lvl="0" indent="0" algn="l" defTabSz="914400" rtl="0" eaLnBrk="0" fontAlgn="base" latinLnBrk="0" hangingPunct="0">
+              <a:lnSpc>
+                <a:spcPct val="100000"/>
+              </a:lnSpc>
+              <a:spcBef>
+                <a:spcPct val="0"/>
+              </a:spcBef>
+              <a:spcAft>
+                <a:spcPct val="0"/>
+              </a:spcAft>
+              <a:buClrTx/>
+              <a:buSzTx/>
+              <a:buFontTx/>
+              <a:buAutoNum type="arabicPeriod" startAt="4"/>
+              <a:tabLst/>
+            </a:pPr>
+            <a:r>
+              <a:rPr kumimoji="0" lang="en-US" altLang="en-US" sz="1800" b="0" i="0" u="none" strike="noStrike" cap="none" normalizeH="0" baseline="0" dirty="0">
+                <a:ln>
+                  <a:noFill/>
+                </a:ln>
+                <a:solidFill>
+                  <a:srgbClr val="000000"/>
+                </a:solidFill>
+                <a:effectLst/>
+                <a:latin typeface="Helvetica Neue"/>
+              </a:rPr>
+              <a:t>Number of children ever born (numerical)</a:t>
+            </a:r>
+          </a:p>
+          <a:p>
+            <a:pPr marL="0" marR="0" lvl="0" indent="0" algn="l" defTabSz="914400" rtl="0" eaLnBrk="0" fontAlgn="base" latinLnBrk="0" hangingPunct="0">
+              <a:lnSpc>
+                <a:spcPct val="100000"/>
+              </a:lnSpc>
+              <a:spcBef>
+                <a:spcPct val="0"/>
+              </a:spcBef>
+              <a:spcAft>
+                <a:spcPct val="0"/>
+              </a:spcAft>
+              <a:buClrTx/>
+              <a:buSzTx/>
+              <a:buFontTx/>
+              <a:buAutoNum type="arabicPeriod" startAt="5"/>
+              <a:tabLst/>
+            </a:pPr>
+            <a:r>
+              <a:rPr kumimoji="0" lang="en-US" altLang="en-US" sz="1800" b="0" i="0" u="none" strike="noStrike" cap="none" normalizeH="0" baseline="0" dirty="0">
+                <a:ln>
+                  <a:noFill/>
+                </a:ln>
+                <a:solidFill>
+                  <a:srgbClr val="000000"/>
+                </a:solidFill>
+                <a:effectLst/>
+                <a:latin typeface="Helvetica Neue"/>
+              </a:rPr>
+              <a:t>Wife's religion (binary) 0=Non-Islam, 1=Islam</a:t>
+            </a:r>
+          </a:p>
+          <a:p>
+            <a:pPr marL="0" marR="0" lvl="0" indent="0" algn="l" defTabSz="914400" rtl="0" eaLnBrk="0" fontAlgn="base" latinLnBrk="0" hangingPunct="0">
+              <a:lnSpc>
+                <a:spcPct val="100000"/>
+              </a:lnSpc>
+              <a:spcBef>
+                <a:spcPct val="0"/>
+              </a:spcBef>
+              <a:spcAft>
+                <a:spcPct val="0"/>
+              </a:spcAft>
+              <a:buClrTx/>
+              <a:buSzTx/>
+              <a:buFontTx/>
+              <a:buAutoNum type="arabicPeriod" startAt="6"/>
+              <a:tabLst/>
+            </a:pPr>
+            <a:r>
+              <a:rPr kumimoji="0" lang="en-US" altLang="en-US" sz="1800" b="0" i="0" u="none" strike="noStrike" cap="none" normalizeH="0" baseline="0" dirty="0">
+                <a:ln>
+                  <a:noFill/>
+                </a:ln>
+                <a:solidFill>
+                  <a:srgbClr val="000000"/>
+                </a:solidFill>
+                <a:effectLst/>
+                <a:latin typeface="Helvetica Neue"/>
+              </a:rPr>
+              <a:t>Wife's now working? (binary) 0=Yes, 1=No</a:t>
+            </a:r>
+          </a:p>
+          <a:p>
+            <a:pPr marL="0" marR="0" lvl="0" indent="0" algn="l" defTabSz="914400" rtl="0" eaLnBrk="0" fontAlgn="base" latinLnBrk="0" hangingPunct="0">
+              <a:lnSpc>
+                <a:spcPct val="100000"/>
+              </a:lnSpc>
+              <a:spcBef>
+                <a:spcPct val="0"/>
+              </a:spcBef>
+              <a:spcAft>
+                <a:spcPct val="0"/>
+              </a:spcAft>
+              <a:buClrTx/>
+              <a:buSzTx/>
+              <a:buFontTx/>
+              <a:buAutoNum type="arabicPeriod" startAt="7"/>
+              <a:tabLst/>
+            </a:pPr>
+            <a:r>
+              <a:rPr kumimoji="0" lang="en-US" altLang="en-US" sz="1800" b="0" i="0" u="none" strike="noStrike" cap="none" normalizeH="0" baseline="0" dirty="0">
+                <a:ln>
+                  <a:noFill/>
+                </a:ln>
+                <a:solidFill>
+                  <a:srgbClr val="000000"/>
+                </a:solidFill>
+                <a:effectLst/>
+                <a:latin typeface="Helvetica Neue"/>
+              </a:rPr>
+              <a:t>Husband's occupation (categorical) 1, 2, 3, 4</a:t>
+            </a:r>
+          </a:p>
+          <a:p>
+            <a:pPr marL="0" marR="0" lvl="0" indent="0" algn="l" defTabSz="914400" rtl="0" eaLnBrk="0" fontAlgn="base" latinLnBrk="0" hangingPunct="0">
+              <a:lnSpc>
+                <a:spcPct val="100000"/>
+              </a:lnSpc>
+              <a:spcBef>
+                <a:spcPct val="0"/>
+              </a:spcBef>
+              <a:spcAft>
+                <a:spcPct val="0"/>
+              </a:spcAft>
+              <a:buClrTx/>
+              <a:buSzTx/>
+              <a:buFontTx/>
+              <a:buAutoNum type="arabicPeriod" startAt="8"/>
+              <a:tabLst/>
+            </a:pPr>
+            <a:r>
+              <a:rPr kumimoji="0" lang="en-US" altLang="en-US" sz="1800" b="0" i="0" u="none" strike="noStrike" cap="none" normalizeH="0" baseline="0" dirty="0">
+                <a:ln>
+                  <a:noFill/>
+                </a:ln>
+                <a:solidFill>
+                  <a:srgbClr val="000000"/>
+                </a:solidFill>
+                <a:effectLst/>
+                <a:latin typeface="Helvetica Neue"/>
+              </a:rPr>
+              <a:t>Standard-of-living index (categorical) 1=low, 2, 3, 4=high</a:t>
+            </a:r>
+          </a:p>
+          <a:p>
+            <a:pPr marL="0" marR="0" lvl="0" indent="0" algn="l" defTabSz="914400" rtl="0" eaLnBrk="0" fontAlgn="base" latinLnBrk="0" hangingPunct="0">
+              <a:lnSpc>
+                <a:spcPct val="100000"/>
+              </a:lnSpc>
+              <a:spcBef>
+                <a:spcPct val="0"/>
+              </a:spcBef>
+              <a:spcAft>
+                <a:spcPct val="0"/>
+              </a:spcAft>
+              <a:buClrTx/>
+              <a:buSzTx/>
+              <a:buFontTx/>
+              <a:buAutoNum type="arabicPeriod" startAt="9"/>
+              <a:tabLst/>
+            </a:pPr>
+            <a:r>
+              <a:rPr kumimoji="0" lang="en-US" altLang="en-US" sz="1800" b="0" i="0" u="none" strike="noStrike" cap="none" normalizeH="0" baseline="0" dirty="0">
+                <a:ln>
+                  <a:noFill/>
+                </a:ln>
+                <a:solidFill>
+                  <a:srgbClr val="000000"/>
+                </a:solidFill>
+                <a:effectLst/>
+                <a:latin typeface="Helvetica Neue"/>
+              </a:rPr>
+              <a:t>Media exposure (binary) 0=Good, 1=Not good</a:t>
+            </a:r>
+          </a:p>
+          <a:p>
+            <a:pPr marL="0" marR="0" lvl="0" indent="0" algn="l" defTabSz="914400" rtl="0" eaLnBrk="0" fontAlgn="base" latinLnBrk="0" hangingPunct="0">
+              <a:lnSpc>
+                <a:spcPct val="100000"/>
+              </a:lnSpc>
+              <a:spcBef>
+                <a:spcPct val="0"/>
+              </a:spcBef>
+              <a:spcAft>
+                <a:spcPct val="0"/>
+              </a:spcAft>
+              <a:buClrTx/>
+              <a:buSzTx/>
+              <a:buFontTx/>
+              <a:buAutoNum type="arabicPeriod" startAt="10"/>
+              <a:tabLst/>
+            </a:pPr>
+            <a:r>
+              <a:rPr kumimoji="0" lang="en-US" altLang="en-US" sz="1800" b="0" i="0" u="none" strike="noStrike" cap="none" normalizeH="0" baseline="0" dirty="0">
+                <a:ln>
+                  <a:noFill/>
+                </a:ln>
+                <a:solidFill>
+                  <a:srgbClr val="000000"/>
+                </a:solidFill>
+                <a:effectLst/>
+                <a:latin typeface="Helvetica Neue"/>
+              </a:rPr>
+              <a:t>Contraceptive method used (class attribute) 1=No-use</a:t>
+            </a:r>
+            <a:r>
+              <a:rPr kumimoji="0" lang="en-US" altLang="en-US" sz="1800" b="0" i="0" u="none" strike="noStrike" cap="none" normalizeH="0" baseline="0" dirty="0">
+                <a:ln>
+                  <a:noFill/>
+                </a:ln>
+                <a:solidFill>
+                  <a:srgbClr val="000000"/>
+                </a:solidFill>
+                <a:effectLst/>
+                <a:latin typeface="Courier New" panose="02070309020205020404" pitchFamily="49" charset="0"/>
+                <a:cs typeface="Courier New" panose="02070309020205020404" pitchFamily="49" charset="0"/>
+              </a:rPr>
+              <a:t> 2=Long-term 3=Short-term</a:t>
+            </a:r>
+            <a:endParaRPr kumimoji="0" lang="en-US" altLang="en-US" sz="1800" b="0" i="0" u="none" strike="noStrike" cap="none" normalizeH="0" baseline="0" dirty="0">
+              <a:ln>
+                <a:noFill/>
+              </a:ln>
+              <a:solidFill>
+                <a:srgbClr val="000000"/>
+              </a:solidFill>
+              <a:effectLst/>
+              <a:latin typeface="Helvetica Neue"/>
+            </a:endParaRPr>
+          </a:p>
+          <a:p>
+            <a:pPr marL="0" marR="0" lvl="0" indent="0" algn="l" defTabSz="914400" rtl="0" eaLnBrk="0" fontAlgn="base" latinLnBrk="0" hangingPunct="0">
+              <a:lnSpc>
+                <a:spcPct val="100000"/>
+              </a:lnSpc>
+              <a:spcBef>
+                <a:spcPct val="0"/>
+              </a:spcBef>
+              <a:spcAft>
+                <a:spcPct val="0"/>
+              </a:spcAft>
+              <a:buClrTx/>
+              <a:buSzTx/>
+              <a:buFontTx/>
+              <a:buNone/>
+              <a:tabLst/>
+            </a:pPr>
+            <a:endParaRPr kumimoji="0" lang="en-US" altLang="en-US" sz="1800" b="0" i="0" u="none" strike="noStrike" cap="none" normalizeH="0" baseline="0" dirty="0">
+              <a:ln>
+                <a:noFill/>
+              </a:ln>
+              <a:solidFill>
+                <a:schemeClr val="tx1"/>
+              </a:solidFill>
+              <a:effectLst/>
+              <a:latin typeface="Arial" panose="020B0604020202020204" pitchFamily="34" charset="0"/>
+            </a:endParaRPr>
           </a:p>
         </p:txBody>
       </p:sp>
     </p:spTree>
     <p:extLst>
       <p:ext uri="{BB962C8B-B14F-4D97-AF65-F5344CB8AC3E}">
-        <p14:creationId xmlns:p14="http://schemas.microsoft.com/office/powerpoint/2010/main" val="1695403852"/>
+        <p14:creationId xmlns:p14="http://schemas.microsoft.com/office/powerpoint/2010/main" val="157475600"/>
       </p:ext>
     </p:extLst>
   </p:cSld>
@@ -4032,7 +4766,7 @@
           <a:p>
             <a:r>
               <a:rPr lang="en-US" dirty="0"/>
-              <a:t>Data wrangling</a:t>
+              <a:t>Data ingestion</a:t>
             </a:r>
           </a:p>
         </p:txBody>
@@ -4055,40 +4789,52 @@
         </p:nvSpPr>
         <p:spPr/>
         <p:txBody>
-          <a:bodyPr>
-            <a:normAutofit/>
-          </a:bodyPr>
-          <a:lstStyle/>
-          <a:p>
-            <a:r>
-              <a:rPr lang="en-US" dirty="0"/>
-              <a:t>Fill in missing values with average </a:t>
-            </a:r>
-          </a:p>
-          <a:p>
-            <a:r>
-              <a:rPr lang="en-US" dirty="0"/>
-              <a:t>Convert alphanumeric/categorical fields to numerical</a:t>
-            </a:r>
-          </a:p>
-          <a:p>
-            <a:r>
-              <a:rPr lang="en-US" dirty="0"/>
-              <a:t>Build dummy variables &amp; binning data</a:t>
-            </a:r>
-          </a:p>
-          <a:p>
-            <a:endParaRPr lang="en-US" dirty="0"/>
-          </a:p>
-          <a:p>
-            <a:endParaRPr lang="en-US" dirty="0"/>
+          <a:bodyPr/>
+          <a:lstStyle/>
+          <a:p>
+            <a:r>
+              <a:rPr lang="en-US" dirty="0"/>
+              <a:t>Stand-alone CSV</a:t>
+            </a:r>
+          </a:p>
+          <a:p>
+            <a:r>
+              <a:rPr lang="en-US" dirty="0"/>
+              <a:t>Import directly from CSV via Python</a:t>
+            </a:r>
+          </a:p>
+          <a:p>
+            <a:r>
+              <a:rPr lang="en-US" dirty="0"/>
+              <a:t>Convert to to </a:t>
+            </a:r>
+            <a:r>
+              <a:rPr lang="en-US" dirty="0" err="1"/>
+              <a:t>DataFrame</a:t>
+            </a:r>
+            <a:r>
+              <a:rPr lang="en-US" dirty="0"/>
+              <a:t> in Pandas</a:t>
+            </a:r>
+          </a:p>
+          <a:p>
+            <a:endParaRPr lang="en-US" dirty="0"/>
+          </a:p>
+          <a:p>
+            <a:endParaRPr lang="en-US" dirty="0"/>
+          </a:p>
+          <a:p>
+            <a:r>
+              <a:rPr lang="en-US" dirty="0"/>
+              <a:t>Describe and explore data to determine if any data is missing or bad</a:t>
+            </a:r>
           </a:p>
         </p:txBody>
       </p:sp>
     </p:spTree>
     <p:extLst>
       <p:ext uri="{BB962C8B-B14F-4D97-AF65-F5344CB8AC3E}">
-        <p14:creationId xmlns:p14="http://schemas.microsoft.com/office/powerpoint/2010/main" val="1320689716"/>
+        <p14:creationId xmlns:p14="http://schemas.microsoft.com/office/powerpoint/2010/main" val="1695403852"/>
       </p:ext>
     </p:extLst>
   </p:cSld>
@@ -4120,7 +4866,7 @@
           <p:cNvPr id="2" name="Title 1">
             <a:extLst>
               <a:ext uri="{FF2B5EF4-FFF2-40B4-BE49-F238E27FC236}">
-                <a16:creationId xmlns:a16="http://schemas.microsoft.com/office/drawing/2014/main" id="{98D2FA07-3D77-40F5-B027-A91A53702FFD}"/>
+                <a16:creationId xmlns:a16="http://schemas.microsoft.com/office/drawing/2014/main" id="{EA00B2BB-EA70-487E-9DF6-219BD566E895}"/>
               </a:ext>
             </a:extLst>
           </p:cNvPr>
@@ -4138,7 +4884,7 @@
           <a:p>
             <a:r>
               <a:rPr lang="en-US" dirty="0"/>
-              <a:t>Analyze feature relationships	</a:t>
+              <a:t>Data wrangling</a:t>
             </a:r>
           </a:p>
         </p:txBody>
@@ -4148,7 +4894,7 @@
           <p:cNvPr id="3" name="Content Placeholder 2">
             <a:extLst>
               <a:ext uri="{FF2B5EF4-FFF2-40B4-BE49-F238E27FC236}">
-                <a16:creationId xmlns:a16="http://schemas.microsoft.com/office/drawing/2014/main" id="{38E6AD98-56A2-402A-8DA3-E5465E5F3AF2}"/>
+                <a16:creationId xmlns:a16="http://schemas.microsoft.com/office/drawing/2014/main" id="{432433FD-30D4-4F0A-A728-DA196B8D5F52}"/>
               </a:ext>
             </a:extLst>
           </p:cNvPr>
@@ -4161,33 +4907,26 @@
         </p:nvSpPr>
         <p:spPr/>
         <p:txBody>
-          <a:bodyPr/>
-          <a:lstStyle/>
-          <a:p>
-            <a:r>
-              <a:rPr lang="en-US" dirty="0"/>
-              <a:t>Check for correlation between attributes</a:t>
-            </a:r>
-          </a:p>
-          <a:p>
-            <a:r>
-              <a:rPr lang="en-US" dirty="0"/>
-              <a:t>Identify collinear data</a:t>
-            </a:r>
-          </a:p>
-          <a:p>
-            <a:r>
-              <a:rPr lang="en-US" dirty="0"/>
-              <a:t>Remove collinear features, so there is only one left from each highly correlated pair</a:t>
-            </a:r>
-          </a:p>
-          <a:p>
-            <a:endParaRPr lang="en-US" dirty="0"/>
-          </a:p>
-          <a:p>
-            <a:r>
-              <a:rPr lang="en-US" dirty="0"/>
-              <a:t>Do a correlation matrix</a:t>
+          <a:bodyPr>
+            <a:normAutofit/>
+          </a:bodyPr>
+          <a:lstStyle/>
+          <a:p>
+            <a:r>
+              <a:rPr lang="en-US" dirty="0"/>
+              <a:t>Fill in missing values with average </a:t>
+            </a:r>
+          </a:p>
+          <a:p>
+            <a:r>
+              <a:rPr lang="en-US" dirty="0"/>
+              <a:t>Convert alphanumeric/categorical fields to numerical</a:t>
+            </a:r>
+          </a:p>
+          <a:p>
+            <a:r>
+              <a:rPr lang="en-US" dirty="0"/>
+              <a:t>Build dummy variables &amp; binning data</a:t>
             </a:r>
           </a:p>
           <a:p>
@@ -4201,7 +4940,7 @@
     </p:spTree>
     <p:extLst>
       <p:ext uri="{BB962C8B-B14F-4D97-AF65-F5344CB8AC3E}">
-        <p14:creationId xmlns:p14="http://schemas.microsoft.com/office/powerpoint/2010/main" val="1709280478"/>
+        <p14:creationId xmlns:p14="http://schemas.microsoft.com/office/powerpoint/2010/main" val="1320689716"/>
       </p:ext>
     </p:extLst>
   </p:cSld>
@@ -4233,7 +4972,7 @@
           <p:cNvPr id="2" name="Title 1">
             <a:extLst>
               <a:ext uri="{FF2B5EF4-FFF2-40B4-BE49-F238E27FC236}">
-                <a16:creationId xmlns:a16="http://schemas.microsoft.com/office/drawing/2014/main" id="{485EE77F-4202-4064-9D43-F84BDA4DB5C7}"/>
+                <a16:creationId xmlns:a16="http://schemas.microsoft.com/office/drawing/2014/main" id="{E5A573A4-587A-404E-9666-F868B42D91F0}"/>
               </a:ext>
             </a:extLst>
           </p:cNvPr>
@@ -4251,93 +4990,45 @@
           <a:p>
             <a:r>
               <a:rPr lang="en-US" dirty="0"/>
-              <a:t>Prepare data for model</a:t>
-            </a:r>
-          </a:p>
-        </p:txBody>
-      </p:sp>
-      <p:sp>
-        <p:nvSpPr>
-          <p:cNvPr id="3" name="Content Placeholder 2">
+              <a:t>Preliminary look at data</a:t>
+            </a:r>
+          </a:p>
+        </p:txBody>
+      </p:sp>
+      <p:pic>
+        <p:nvPicPr>
+          <p:cNvPr id="4" name="Picture 3">
             <a:extLst>
               <a:ext uri="{FF2B5EF4-FFF2-40B4-BE49-F238E27FC236}">
-                <a16:creationId xmlns:a16="http://schemas.microsoft.com/office/drawing/2014/main" id="{3C82F745-B8AF-49A6-B7F4-DD9B0EF2D0B5}"/>
+                <a16:creationId xmlns:a16="http://schemas.microsoft.com/office/drawing/2014/main" id="{1BC44967-F5E9-4B19-AA4F-BC06F3012C19}"/>
               </a:ext>
             </a:extLst>
           </p:cNvPr>
-          <p:cNvSpPr>
-            <a:spLocks noGrp="1"/>
-          </p:cNvSpPr>
-          <p:nvPr>
-            <p:ph idx="1"/>
-          </p:nvPr>
-        </p:nvSpPr>
-        <p:spPr/>
-        <p:txBody>
-          <a:bodyPr>
-            <a:normAutofit fontScale="92500" lnSpcReduction="10000"/>
-          </a:bodyPr>
-          <a:lstStyle/>
-          <a:p>
-            <a:r>
-              <a:rPr lang="en-US" dirty="0"/>
-              <a:t>Scale data so it can run through the model</a:t>
-            </a:r>
-          </a:p>
-          <a:p>
-            <a:endParaRPr lang="en-US" dirty="0"/>
-          </a:p>
-          <a:p>
-            <a:r>
-              <a:rPr lang="en-US" dirty="0"/>
-              <a:t>Split – Train – Test</a:t>
-            </a:r>
-          </a:p>
-          <a:p>
-            <a:pPr lvl="1"/>
-            <a:r>
-              <a:rPr lang="en-US" dirty="0"/>
-              <a:t>Determine what train/test ratio you would like</a:t>
-            </a:r>
-          </a:p>
-          <a:p>
-            <a:pPr lvl="1"/>
-            <a:endParaRPr lang="en-US" dirty="0"/>
-          </a:p>
-          <a:p>
-            <a:pPr lvl="1"/>
-            <a:r>
-              <a:rPr lang="en-US" dirty="0"/>
-              <a:t>Check the classification results</a:t>
-            </a:r>
-          </a:p>
-          <a:p>
-            <a:pPr lvl="1"/>
-            <a:r>
-              <a:rPr lang="en-US" dirty="0"/>
-              <a:t>Precision</a:t>
-            </a:r>
-          </a:p>
-          <a:p>
-            <a:pPr lvl="1"/>
-            <a:r>
-              <a:rPr lang="en-US" dirty="0"/>
-              <a:t>Recall</a:t>
-            </a:r>
-          </a:p>
-          <a:p>
-            <a:pPr lvl="1"/>
-            <a:r>
-              <a:rPr lang="en-US" dirty="0"/>
-              <a:t>F-1 Score</a:t>
-            </a:r>
-          </a:p>
-        </p:txBody>
-      </p:sp>
+          <p:cNvPicPr>
+            <a:picLocks noChangeAspect="1"/>
+          </p:cNvPicPr>
+          <p:nvPr/>
+        </p:nvPicPr>
+        <p:blipFill>
+          <a:blip r:embed="rId2"/>
+          <a:stretch>
+            <a:fillRect/>
+          </a:stretch>
+        </p:blipFill>
+        <p:spPr>
+          <a:xfrm>
+            <a:off x="3375146" y="2086708"/>
+            <a:ext cx="5019675" cy="3581400"/>
+          </a:xfrm>
+          <a:prstGeom prst="rect">
+            <a:avLst/>
+          </a:prstGeom>
+        </p:spPr>
+      </p:pic>
     </p:spTree>
     <p:extLst>
       <p:ext uri="{BB962C8B-B14F-4D97-AF65-F5344CB8AC3E}">
-        <p14:creationId xmlns:p14="http://schemas.microsoft.com/office/powerpoint/2010/main" val="3791632228"/>
+        <p14:creationId xmlns:p14="http://schemas.microsoft.com/office/powerpoint/2010/main" val="3552065076"/>
       </p:ext>
     </p:extLst>
   </p:cSld>
@@ -4369,7 +5060,7 @@
           <p:cNvPr id="2" name="Title 1">
             <a:extLst>
               <a:ext uri="{FF2B5EF4-FFF2-40B4-BE49-F238E27FC236}">
-                <a16:creationId xmlns:a16="http://schemas.microsoft.com/office/drawing/2014/main" id="{8E72AAB9-DF58-4007-8BE5-D65AD9026A20}"/>
+                <a16:creationId xmlns:a16="http://schemas.microsoft.com/office/drawing/2014/main" id="{98D2FA07-3D77-40F5-B027-A91A53702FFD}"/>
               </a:ext>
             </a:extLst>
           </p:cNvPr>
@@ -4387,7 +5078,7 @@
           <a:p>
             <a:r>
               <a:rPr lang="en-US" dirty="0"/>
-              <a:t>RUN TRAINING DATA THROUGH MODELS	</a:t>
+              <a:t>Analyze feature relationships	</a:t>
             </a:r>
           </a:p>
         </p:txBody>
@@ -4397,7 +5088,7 @@
           <p:cNvPr id="3" name="Content Placeholder 2">
             <a:extLst>
               <a:ext uri="{FF2B5EF4-FFF2-40B4-BE49-F238E27FC236}">
-                <a16:creationId xmlns:a16="http://schemas.microsoft.com/office/drawing/2014/main" id="{3F487352-C2A2-432A-9D87-70DC4DCBAF06}"/>
+                <a16:creationId xmlns:a16="http://schemas.microsoft.com/office/drawing/2014/main" id="{38E6AD98-56A2-402A-8DA3-E5465E5F3AF2}"/>
               </a:ext>
             </a:extLst>
           </p:cNvPr>
@@ -4415,38 +5106,32 @@
           <a:p>
             <a:r>
               <a:rPr lang="en-US" dirty="0"/>
-              <a:t>Try the training data in multiple classification models</a:t>
-            </a:r>
-          </a:p>
-          <a:p>
-            <a:pPr lvl="1"/>
-            <a:r>
-              <a:rPr lang="en-US" dirty="0"/>
-              <a:t>Use the automatic </a:t>
-            </a:r>
-            <a:r>
-              <a:rPr lang="en-US" dirty="0" err="1"/>
-              <a:t>scikitlearn</a:t>
-            </a:r>
-            <a:r>
-              <a:rPr lang="en-US" dirty="0"/>
-              <a:t> parameters</a:t>
-            </a:r>
-          </a:p>
-          <a:p>
-            <a:r>
-              <a:rPr lang="en-US" dirty="0"/>
-              <a:t>Determine which models look the most promising</a:t>
-            </a:r>
-          </a:p>
-          <a:p>
-            <a:endParaRPr lang="en-US" dirty="0"/>
-          </a:p>
-          <a:p>
-            <a:r>
-              <a:rPr lang="en-US" dirty="0"/>
-              <a:t>Deep dive on the best models</a:t>
-            </a:r>
+              <a:t>Check for correlation between attributes</a:t>
+            </a:r>
+          </a:p>
+          <a:p>
+            <a:r>
+              <a:rPr lang="en-US" dirty="0"/>
+              <a:t>Identify collinear data</a:t>
+            </a:r>
+          </a:p>
+          <a:p>
+            <a:r>
+              <a:rPr lang="en-US" dirty="0"/>
+              <a:t>Remove collinear features, so there is only one left from each highly correlated pair</a:t>
+            </a:r>
+          </a:p>
+          <a:p>
+            <a:endParaRPr lang="en-US" dirty="0"/>
+          </a:p>
+          <a:p>
+            <a:r>
+              <a:rPr lang="en-US" dirty="0"/>
+              <a:t>Do a correlation matrix</a:t>
+            </a:r>
+          </a:p>
+          <a:p>
+            <a:endParaRPr lang="en-US" dirty="0"/>
           </a:p>
           <a:p>
             <a:endParaRPr lang="en-US" dirty="0"/>
@@ -4456,7 +5141,7 @@
     </p:spTree>
     <p:extLst>
       <p:ext uri="{BB962C8B-B14F-4D97-AF65-F5344CB8AC3E}">
-        <p14:creationId xmlns:p14="http://schemas.microsoft.com/office/powerpoint/2010/main" val="3838107024"/>
+        <p14:creationId xmlns:p14="http://schemas.microsoft.com/office/powerpoint/2010/main" val="1709280478"/>
       </p:ext>
     </p:extLst>
   </p:cSld>
@@ -4488,7 +5173,7 @@
           <p:cNvPr id="2" name="Title 1">
             <a:extLst>
               <a:ext uri="{FF2B5EF4-FFF2-40B4-BE49-F238E27FC236}">
-                <a16:creationId xmlns:a16="http://schemas.microsoft.com/office/drawing/2014/main" id="{F983AA2A-8679-401B-B794-B1B5BF7A3289}"/>
+                <a16:creationId xmlns:a16="http://schemas.microsoft.com/office/drawing/2014/main" id="{2BC9B010-C916-4091-9423-D407847D9B52}"/>
               </a:ext>
             </a:extLst>
           </p:cNvPr>
@@ -4506,72 +5191,45 @@
           <a:p>
             <a:r>
               <a:rPr lang="en-US" dirty="0"/>
-              <a:t>Hyper parameter tuning</a:t>
-            </a:r>
-          </a:p>
-        </p:txBody>
-      </p:sp>
-      <p:sp>
-        <p:nvSpPr>
-          <p:cNvPr id="3" name="Content Placeholder 2">
+              <a:t>Relationships</a:t>
+            </a:r>
+          </a:p>
+        </p:txBody>
+      </p:sp>
+      <p:pic>
+        <p:nvPicPr>
+          <p:cNvPr id="5" name="Picture 4">
             <a:extLst>
               <a:ext uri="{FF2B5EF4-FFF2-40B4-BE49-F238E27FC236}">
-                <a16:creationId xmlns:a16="http://schemas.microsoft.com/office/drawing/2014/main" id="{355914AF-DFD0-44FB-A5D6-F1E2A306FD30}"/>
+                <a16:creationId xmlns:a16="http://schemas.microsoft.com/office/drawing/2014/main" id="{BBAE0F6F-A559-4AE6-A538-6B1E71EADFFA}"/>
               </a:ext>
             </a:extLst>
           </p:cNvPr>
-          <p:cNvSpPr>
-            <a:spLocks noGrp="1"/>
-          </p:cNvSpPr>
-          <p:nvPr>
-            <p:ph idx="1"/>
-          </p:nvPr>
-        </p:nvSpPr>
-        <p:spPr/>
-        <p:txBody>
-          <a:bodyPr/>
-          <a:lstStyle/>
-          <a:p>
-            <a:r>
-              <a:rPr lang="en-US" dirty="0"/>
-              <a:t>Use </a:t>
-            </a:r>
-            <a:r>
-              <a:rPr lang="en-US" dirty="0" err="1"/>
-              <a:t>yellowbrick</a:t>
-            </a:r>
-            <a:r>
-              <a:rPr lang="en-US" dirty="0"/>
-              <a:t> to test the hyperparameters for the selected models</a:t>
-            </a:r>
-          </a:p>
-          <a:p>
-            <a:endParaRPr lang="en-US" dirty="0"/>
-          </a:p>
-          <a:p>
-            <a:r>
-              <a:rPr lang="en-US" dirty="0"/>
-              <a:t>Identify the best hyperparameter values</a:t>
-            </a:r>
-          </a:p>
-          <a:p>
-            <a:endParaRPr lang="en-US" dirty="0"/>
-          </a:p>
-          <a:p>
-            <a:r>
-              <a:rPr lang="en-US" dirty="0"/>
-              <a:t>Review model results</a:t>
-            </a:r>
-          </a:p>
-          <a:p>
-            <a:endParaRPr lang="en-US" dirty="0"/>
-          </a:p>
-        </p:txBody>
-      </p:sp>
+          <p:cNvPicPr>
+            <a:picLocks noChangeAspect="1"/>
+          </p:cNvPicPr>
+          <p:nvPr/>
+        </p:nvPicPr>
+        <p:blipFill>
+          <a:blip r:embed="rId2"/>
+          <a:stretch>
+            <a:fillRect/>
+          </a:stretch>
+        </p:blipFill>
+        <p:spPr>
+          <a:xfrm>
+            <a:off x="3438009" y="1951892"/>
+            <a:ext cx="5315982" cy="4739054"/>
+          </a:xfrm>
+          <a:prstGeom prst="rect">
+            <a:avLst/>
+          </a:prstGeom>
+        </p:spPr>
+      </p:pic>
     </p:spTree>
     <p:extLst>
       <p:ext uri="{BB962C8B-B14F-4D97-AF65-F5344CB8AC3E}">
-        <p14:creationId xmlns:p14="http://schemas.microsoft.com/office/powerpoint/2010/main" val="1338143744"/>
+        <p14:creationId xmlns:p14="http://schemas.microsoft.com/office/powerpoint/2010/main" val="3947460510"/>
       </p:ext>
     </p:extLst>
   </p:cSld>
@@ -4603,7 +5261,7 @@
           <p:cNvPr id="2" name="Title 1">
             <a:extLst>
               <a:ext uri="{FF2B5EF4-FFF2-40B4-BE49-F238E27FC236}">
-                <a16:creationId xmlns:a16="http://schemas.microsoft.com/office/drawing/2014/main" id="{0E7B9906-DA5C-418E-8B27-79ABD87B7FB4}"/>
+                <a16:creationId xmlns:a16="http://schemas.microsoft.com/office/drawing/2014/main" id="{485EE77F-4202-4064-9D43-F84BDA4DB5C7}"/>
               </a:ext>
             </a:extLst>
           </p:cNvPr>
@@ -4621,7 +5279,7 @@
           <a:p>
             <a:r>
               <a:rPr lang="en-US" dirty="0"/>
-              <a:t>Classification report	</a:t>
+              <a:t>Prepare data for model</a:t>
             </a:r>
           </a:p>
         </p:txBody>
@@ -4631,7 +5289,7 @@
           <p:cNvPr id="3" name="Content Placeholder 2">
             <a:extLst>
               <a:ext uri="{FF2B5EF4-FFF2-40B4-BE49-F238E27FC236}">
-                <a16:creationId xmlns:a16="http://schemas.microsoft.com/office/drawing/2014/main" id="{D3878029-3716-47FF-92C2-99716FE4DBF8}"/>
+                <a16:creationId xmlns:a16="http://schemas.microsoft.com/office/drawing/2014/main" id="{3C82F745-B8AF-49A6-B7F4-DD9B0EF2D0B5}"/>
               </a:ext>
             </a:extLst>
           </p:cNvPr>
@@ -4644,38 +5302,70 @@
         </p:nvSpPr>
         <p:spPr/>
         <p:txBody>
-          <a:bodyPr/>
-          <a:lstStyle/>
-          <a:p>
-            <a:r>
-              <a:rPr lang="en-US" dirty="0"/>
-              <a:t>Run true test data through model</a:t>
-            </a:r>
-          </a:p>
-          <a:p>
-            <a:r>
-              <a:rPr lang="en-US" dirty="0"/>
-              <a:t>Compare predicted results to actual results</a:t>
-            </a:r>
-          </a:p>
-          <a:p>
-            <a:r>
-              <a:rPr lang="en-US" dirty="0"/>
-              <a:t>Score the model</a:t>
-            </a:r>
-          </a:p>
-          <a:p>
-            <a:endParaRPr lang="en-US" dirty="0"/>
-          </a:p>
-          <a:p>
-            <a:endParaRPr lang="en-US" dirty="0"/>
+          <a:bodyPr>
+            <a:normAutofit fontScale="92500" lnSpcReduction="10000"/>
+          </a:bodyPr>
+          <a:lstStyle/>
+          <a:p>
+            <a:r>
+              <a:rPr lang="en-US" dirty="0"/>
+              <a:t>Scale data so it can run through the model</a:t>
+            </a:r>
+          </a:p>
+          <a:p>
+            <a:endParaRPr lang="en-US" dirty="0"/>
+          </a:p>
+          <a:p>
+            <a:r>
+              <a:rPr lang="en-US" dirty="0"/>
+              <a:t>Split – Train – Test</a:t>
+            </a:r>
+          </a:p>
+          <a:p>
+            <a:pPr lvl="1"/>
+            <a:r>
+              <a:rPr lang="en-US" dirty="0"/>
+              <a:t>Determine what train/test ratio you would like</a:t>
+            </a:r>
+          </a:p>
+          <a:p>
+            <a:pPr lvl="1"/>
+            <a:endParaRPr lang="en-US" dirty="0"/>
+          </a:p>
+          <a:p>
+            <a:pPr lvl="1"/>
+            <a:r>
+              <a:rPr lang="en-US" dirty="0"/>
+              <a:t>Check the classification results</a:t>
+            </a:r>
+          </a:p>
+          <a:p>
+            <a:pPr lvl="1"/>
+            <a:r>
+              <a:rPr lang="en-US" dirty="0"/>
+              <a:t>Precision</a:t>
+            </a:r>
+          </a:p>
+          <a:p>
+            <a:pPr lvl="1"/>
+            <a:r>
+              <a:rPr lang="en-US" dirty="0"/>
+              <a:t>Recall</a:t>
+            </a:r>
+          </a:p>
+          <a:p>
+            <a:pPr lvl="1"/>
+            <a:r>
+              <a:rPr lang="en-US" dirty="0"/>
+              <a:t>F-1 Score</a:t>
+            </a:r>
           </a:p>
         </p:txBody>
       </p:sp>
     </p:spTree>
     <p:extLst>
       <p:ext uri="{BB962C8B-B14F-4D97-AF65-F5344CB8AC3E}">
-        <p14:creationId xmlns:p14="http://schemas.microsoft.com/office/powerpoint/2010/main" val="447904820"/>
+        <p14:creationId xmlns:p14="http://schemas.microsoft.com/office/powerpoint/2010/main" val="3791632228"/>
       </p:ext>
     </p:extLst>
   </p:cSld>
